--- a/lectures/frozenLakeMap.pptx
+++ b/lectures/frozenLakeMap.pptx
@@ -5,7 +5,7 @@
     <p:sldMasterId id="2147483661" r:id="rId1"/>
   </p:sldMasterIdLst>
   <p:notesMasterIdLst>
-    <p:notesMasterId r:id="rId7"/>
+    <p:notesMasterId r:id="rId8"/>
   </p:notesMasterIdLst>
   <p:sldIdLst>
     <p:sldId id="256" r:id="rId2"/>
@@ -13,30 +13,31 @@
     <p:sldId id="272" r:id="rId4"/>
     <p:sldId id="271" r:id="rId5"/>
     <p:sldId id="274" r:id="rId6"/>
+    <p:sldId id="275" r:id="rId7"/>
   </p:sldIdLst>
   <p:sldSz cx="9144000" cy="5143500" type="screen16x9"/>
   <p:notesSz cx="6858000" cy="9144000"/>
   <p:embeddedFontLst>
     <p:embeddedFont>
       <p:font typeface="Calibri" panose="020F0502020204030204" pitchFamily="34" charset="0"/>
-      <p:regular r:id="rId8"/>
-      <p:bold r:id="rId9"/>
-      <p:italic r:id="rId10"/>
-      <p:boldItalic r:id="rId11"/>
+      <p:regular r:id="rId9"/>
+      <p:bold r:id="rId10"/>
+      <p:italic r:id="rId11"/>
+      <p:boldItalic r:id="rId12"/>
     </p:embeddedFont>
     <p:embeddedFont>
       <p:font typeface="Georgia" panose="02040502050405020303" pitchFamily="18" charset="0"/>
-      <p:regular r:id="rId12"/>
-      <p:bold r:id="rId13"/>
-      <p:italic r:id="rId14"/>
-      <p:boldItalic r:id="rId15"/>
+      <p:regular r:id="rId13"/>
+      <p:bold r:id="rId14"/>
+      <p:italic r:id="rId15"/>
+      <p:boldItalic r:id="rId16"/>
     </p:embeddedFont>
     <p:embeddedFont>
-      <p:font typeface="Nunito Sans" panose="020B0604020202020204" charset="0"/>
-      <p:regular r:id="rId16"/>
-      <p:bold r:id="rId17"/>
-      <p:italic r:id="rId18"/>
-      <p:boldItalic r:id="rId19"/>
+      <p:font typeface="Nunito Sans" pitchFamily="2" charset="0"/>
+      <p:regular r:id="rId17"/>
+      <p:bold r:id="rId18"/>
+      <p:italic r:id="rId19"/>
+      <p:boldItalic r:id="rId20"/>
     </p:embeddedFont>
   </p:embeddedFontLst>
   <p:defaultTextStyle>
@@ -1246,6 +1247,115 @@
     <p:extLst>
       <p:ext uri="{BB962C8B-B14F-4D97-AF65-F5344CB8AC3E}">
         <p14:creationId xmlns:p14="http://schemas.microsoft.com/office/powerpoint/2010/main" val="601661344"/>
+      </p:ext>
+    </p:extLst>
+  </p:cSld>
+  <p:clrMapOvr>
+    <a:masterClrMapping/>
+  </p:clrMapOvr>
+</p:notes>
+</file>
+
+<file path=ppt/notesSlides/notesSlide6.xml><?xml version="1.0" encoding="utf-8"?>
+<p:notes xmlns:a="http://schemas.openxmlformats.org/drawingml/2006/main" xmlns:r="http://schemas.openxmlformats.org/officeDocument/2006/relationships" xmlns:p="http://schemas.openxmlformats.org/presentationml/2006/main" showMasterSp="0" showMasterPhAnim="0">
+  <p:cSld>
+    <p:spTree>
+      <p:nvGrpSpPr>
+        <p:cNvPr id="1" name="Shape 109"/>
+        <p:cNvGrpSpPr/>
+        <p:nvPr/>
+      </p:nvGrpSpPr>
+      <p:grpSpPr>
+        <a:xfrm>
+          <a:off x="0" y="0"/>
+          <a:ext cx="0" cy="0"/>
+          <a:chOff x="0" y="0"/>
+          <a:chExt cx="0" cy="0"/>
+        </a:xfrm>
+      </p:grpSpPr>
+      <p:sp>
+        <p:nvSpPr>
+          <p:cNvPr id="110" name="Shape 110"/>
+          <p:cNvSpPr>
+            <a:spLocks noGrp="1" noRot="1" noChangeAspect="1"/>
+          </p:cNvSpPr>
+          <p:nvPr>
+            <p:ph type="sldImg" idx="2"/>
+          </p:nvPr>
+        </p:nvSpPr>
+        <p:spPr>
+          <a:xfrm>
+            <a:off x="381000" y="685800"/>
+            <a:ext cx="6096000" cy="3429000"/>
+          </a:xfrm>
+          <a:custGeom>
+            <a:avLst/>
+            <a:gdLst/>
+            <a:ahLst/>
+            <a:cxnLst/>
+            <a:rect l="0" t="0" r="0" b="0"/>
+            <a:pathLst>
+              <a:path w="120000" h="120000" extrusionOk="0">
+                <a:moveTo>
+                  <a:pt x="0" y="0"/>
+                </a:moveTo>
+                <a:lnTo>
+                  <a:pt x="120000" y="0"/>
+                </a:lnTo>
+                <a:lnTo>
+                  <a:pt x="120000" y="120000"/>
+                </a:lnTo>
+                <a:lnTo>
+                  <a:pt x="0" y="120000"/>
+                </a:lnTo>
+                <a:close/>
+              </a:path>
+            </a:pathLst>
+          </a:custGeom>
+        </p:spPr>
+      </p:sp>
+      <p:sp>
+        <p:nvSpPr>
+          <p:cNvPr id="111" name="Shape 111"/>
+          <p:cNvSpPr txBox="1">
+            <a:spLocks noGrp="1"/>
+          </p:cNvSpPr>
+          <p:nvPr>
+            <p:ph type="body" idx="1"/>
+          </p:nvPr>
+        </p:nvSpPr>
+        <p:spPr>
+          <a:xfrm>
+            <a:off x="685800" y="4343400"/>
+            <a:ext cx="5486400" cy="4114800"/>
+          </a:xfrm>
+          <a:prstGeom prst="rect">
+            <a:avLst/>
+          </a:prstGeom>
+        </p:spPr>
+        <p:txBody>
+          <a:bodyPr spcFirstLastPara="1" wrap="square" lIns="91425" tIns="91425" rIns="91425" bIns="91425" anchor="t" anchorCtr="0">
+            <a:noAutofit/>
+          </a:bodyPr>
+          <a:lstStyle/>
+          <a:p>
+            <a:pPr marL="0" lvl="0" indent="0">
+              <a:spcBef>
+                <a:spcPts val="0"/>
+              </a:spcBef>
+              <a:spcAft>
+                <a:spcPts val="0"/>
+              </a:spcAft>
+              <a:buNone/>
+            </a:pPr>
+            <a:endParaRPr/>
+          </a:p>
+        </p:txBody>
+      </p:sp>
+    </p:spTree>
+    <p:extLst>
+      <p:ext uri="{BB962C8B-B14F-4D97-AF65-F5344CB8AC3E}">
+        <p14:creationId xmlns:p14="http://schemas.microsoft.com/office/powerpoint/2010/main" val="437087155"/>
       </p:ext>
     </p:extLst>
   </p:cSld>
@@ -5318,6 +5428,209 @@
 </p:sld>
 </file>
 
+<file path=ppt/slides/slide6.xml><?xml version="1.0" encoding="utf-8"?>
+<p:sld xmlns:a="http://schemas.openxmlformats.org/drawingml/2006/main" xmlns:r="http://schemas.openxmlformats.org/officeDocument/2006/relationships" xmlns:p="http://schemas.openxmlformats.org/presentationml/2006/main">
+  <p:cSld>
+    <p:spTree>
+      <p:nvGrpSpPr>
+        <p:cNvPr id="1" name="Shape 112"/>
+        <p:cNvGrpSpPr/>
+        <p:nvPr/>
+      </p:nvGrpSpPr>
+      <p:grpSpPr>
+        <a:xfrm>
+          <a:off x="0" y="0"/>
+          <a:ext cx="0" cy="0"/>
+          <a:chOff x="0" y="0"/>
+          <a:chExt cx="0" cy="0"/>
+        </a:xfrm>
+      </p:grpSpPr>
+      <p:sp>
+        <p:nvSpPr>
+          <p:cNvPr id="114" name="Shape 114"/>
+          <p:cNvSpPr txBox="1">
+            <a:spLocks noGrp="1"/>
+          </p:cNvSpPr>
+          <p:nvPr>
+            <p:ph type="body" idx="1"/>
+          </p:nvPr>
+        </p:nvSpPr>
+        <p:spPr>
+          <a:xfrm>
+            <a:off x="3090625" y="575500"/>
+            <a:ext cx="5596200" cy="1207800"/>
+          </a:xfrm>
+          <a:prstGeom prst="rect">
+            <a:avLst/>
+          </a:prstGeom>
+        </p:spPr>
+        <p:txBody>
+          <a:bodyPr spcFirstLastPara="1" wrap="square" lIns="91425" tIns="91425" rIns="91425" bIns="91425" anchor="t" anchorCtr="0">
+            <a:noAutofit/>
+          </a:bodyPr>
+          <a:lstStyle/>
+          <a:p>
+            <a:pPr marL="0" lvl="0" indent="0">
+              <a:spcBef>
+                <a:spcPts val="600"/>
+              </a:spcBef>
+              <a:spcAft>
+                <a:spcPts val="0"/>
+              </a:spcAft>
+              <a:buNone/>
+            </a:pPr>
+            <a:r>
+              <a:rPr lang="de-DE" dirty="0" err="1"/>
+              <a:t>Frozen</a:t>
+            </a:r>
+            <a:r>
+              <a:rPr lang="de-DE" dirty="0"/>
+              <a:t> Lake Environment</a:t>
+            </a:r>
+            <a:endParaRPr dirty="0"/>
+          </a:p>
+        </p:txBody>
+      </p:sp>
+      <p:sp>
+        <p:nvSpPr>
+          <p:cNvPr id="115" name="Shape 115"/>
+          <p:cNvSpPr txBox="1">
+            <a:spLocks noGrp="1"/>
+          </p:cNvSpPr>
+          <p:nvPr>
+            <p:ph type="sldNum" idx="12"/>
+          </p:nvPr>
+        </p:nvSpPr>
+        <p:spPr>
+          <a:xfrm>
+            <a:off x="8556784" y="4749851"/>
+            <a:ext cx="548700" cy="393600"/>
+          </a:xfrm>
+          <a:prstGeom prst="rect">
+            <a:avLst/>
+          </a:prstGeom>
+        </p:spPr>
+        <p:txBody>
+          <a:bodyPr spcFirstLastPara="1" wrap="square" lIns="91425" tIns="91425" rIns="91425" bIns="91425" anchor="ctr" anchorCtr="0">
+            <a:noAutofit/>
+          </a:bodyPr>
+          <a:lstStyle/>
+          <a:p>
+            <a:pPr marL="0" lvl="0" indent="0">
+              <a:spcBef>
+                <a:spcPts val="0"/>
+              </a:spcBef>
+              <a:spcAft>
+                <a:spcPts val="0"/>
+              </a:spcAft>
+              <a:buNone/>
+            </a:pPr>
+            <a:fld id="{00000000-1234-1234-1234-123412341234}" type="slidenum">
+              <a:rPr lang="en"/>
+              <a:t>6</a:t>
+            </a:fld>
+            <a:endParaRPr/>
+          </a:p>
+        </p:txBody>
+      </p:sp>
+      <p:sp>
+        <p:nvSpPr>
+          <p:cNvPr id="5" name="Shape 113">
+            <a:extLst>
+              <a:ext uri="{FF2B5EF4-FFF2-40B4-BE49-F238E27FC236}">
+                <a16:creationId xmlns:a16="http://schemas.microsoft.com/office/drawing/2014/main" id="{F22C1FB6-925A-4FCD-8723-9F721F6BDABC}"/>
+              </a:ext>
+            </a:extLst>
+          </p:cNvPr>
+          <p:cNvSpPr txBox="1">
+            <a:spLocks noGrp="1"/>
+          </p:cNvSpPr>
+          <p:nvPr>
+            <p:ph type="title"/>
+          </p:nvPr>
+        </p:nvSpPr>
+        <p:spPr>
+          <a:xfrm>
+            <a:off x="34977" y="575500"/>
+            <a:ext cx="2453390" cy="3981000"/>
+          </a:xfrm>
+          <a:prstGeom prst="rect">
+            <a:avLst/>
+          </a:prstGeom>
+        </p:spPr>
+        <p:txBody>
+          <a:bodyPr spcFirstLastPara="1" wrap="square" lIns="91425" tIns="91425" rIns="91425" bIns="91425" anchor="t" anchorCtr="0">
+            <a:noAutofit/>
+          </a:bodyPr>
+          <a:lstStyle/>
+          <a:p>
+            <a:pPr marL="0" lvl="0" indent="0">
+              <a:spcBef>
+                <a:spcPts val="0"/>
+              </a:spcBef>
+              <a:spcAft>
+                <a:spcPts val="0"/>
+              </a:spcAft>
+              <a:buNone/>
+            </a:pPr>
+            <a:r>
+              <a:rPr lang="de-DE" dirty="0"/>
+              <a:t>Reinforcement</a:t>
+            </a:r>
+            <a:br>
+              <a:rPr lang="de-DE" dirty="0"/>
+            </a:br>
+            <a:r>
+              <a:rPr lang="de-DE" dirty="0"/>
+              <a:t>Learning</a:t>
+            </a:r>
+            <a:endParaRPr dirty="0"/>
+          </a:p>
+        </p:txBody>
+      </p:sp>
+      <p:pic>
+        <p:nvPicPr>
+          <p:cNvPr id="10" name="Grafik 9">
+            <a:extLst>
+              <a:ext uri="{FF2B5EF4-FFF2-40B4-BE49-F238E27FC236}">
+                <a16:creationId xmlns:a16="http://schemas.microsoft.com/office/drawing/2014/main" id="{76ED4AE2-A266-4629-86EF-657C67F70D05}"/>
+              </a:ext>
+            </a:extLst>
+          </p:cNvPr>
+          <p:cNvPicPr>
+            <a:picLocks noChangeAspect="1"/>
+          </p:cNvPicPr>
+          <p:nvPr/>
+        </p:nvPicPr>
+        <p:blipFill>
+          <a:blip r:embed="rId3"/>
+          <a:stretch>
+            <a:fillRect/>
+          </a:stretch>
+        </p:blipFill>
+        <p:spPr>
+          <a:xfrm>
+            <a:off x="3048930" y="185756"/>
+            <a:ext cx="4860879" cy="4887298"/>
+          </a:xfrm>
+          <a:prstGeom prst="rect">
+            <a:avLst/>
+          </a:prstGeom>
+        </p:spPr>
+      </p:pic>
+    </p:spTree>
+    <p:extLst>
+      <p:ext uri="{BB962C8B-B14F-4D97-AF65-F5344CB8AC3E}">
+        <p14:creationId xmlns:p14="http://schemas.microsoft.com/office/powerpoint/2010/main" val="1697992783"/>
+      </p:ext>
+    </p:extLst>
+  </p:cSld>
+  <p:clrMapOvr>
+    <a:masterClrMapping/>
+  </p:clrMapOvr>
+</p:sld>
+</file>
+
 <file path=ppt/theme/theme1.xml><?xml version="1.0" encoding="utf-8"?>
 <a:theme xmlns:a="http://schemas.openxmlformats.org/drawingml/2006/main" name="Ulysses template">
   <a:themeElements>
